--- a/posts/Surveying And Reproducing MD5 Fast Collision Attack Algorithms.pptx
+++ b/posts/Surveying And Reproducing MD5 Fast Collision Attack Algorithms.pptx
@@ -10442,7 +10442,24 @@
                 <a:cs typeface="Arial"/>
                 <a:sym typeface="Arial"/>
               </a:rPr>
-              <a:t> Collision Attack – </a:t>
+              <a:t> </a:t>
+            </a:r>
+            <a:r>
+              <a:rPr kumimoji="0" lang="en-US" altLang="zh-CN" b="0" i="0" u="none" strike="noStrike" kern="0" cap="none" spc="0" normalizeH="0" baseline="0" noProof="0" dirty="0">
+                <a:ln>
+                  <a:noFill/>
+                </a:ln>
+                <a:solidFill>
+                  <a:srgbClr val="00A6D6"/>
+                </a:solidFill>
+                <a:effectLst/>
+                <a:uLnTx/>
+                <a:uFillTx/>
+                <a:latin typeface="Arial"/>
+                <a:cs typeface="Arial"/>
+                <a:sym typeface="Arial"/>
+              </a:rPr>
+              <a:t>Collision Attack – </a:t>
             </a:r>
             <a:br>
               <a:rPr kumimoji="0" lang="en-US" altLang="zh-CN" sz="4800" b="0" i="0" u="none" strike="noStrike" kern="0" cap="none" spc="0" normalizeH="0" baseline="0" noProof="0" dirty="0">
